--- a/slides/4_regularization.pptx
+++ b/slides/4_regularization.pptx
@@ -124,6 +124,237 @@
 </p:presentation>
 </file>
 
+<file path=ppt/changesInfos/changesInfo1.xml><?xml version="1.0" encoding="utf-8"?>
+<pc:chgInfo xmlns:a="http://schemas.openxmlformats.org/drawingml/2006/main" xmlns:r="http://schemas.openxmlformats.org/officeDocument/2006/relationships" xmlns:ac="http://schemas.microsoft.com/office/drawing/2013/main/command" xmlns:pc="http://schemas.microsoft.com/office/powerpoint/2013/main/command">
+  <pc:docChgLst>
+    <pc:chgData name="Robbin Bouwmeester" userId="1dbfebabfc25a55a" providerId="LiveId" clId="{BC89DDB8-0F0A-42D1-ADCB-75F03B06F303}"/>
+    <pc:docChg chg="custSel modSld">
+      <pc:chgData name="Robbin Bouwmeester" userId="1dbfebabfc25a55a" providerId="LiveId" clId="{BC89DDB8-0F0A-42D1-ADCB-75F03B06F303}" dt="2024-11-22T09:10:22.212" v="6" actId="478"/>
+      <pc:docMkLst>
+        <pc:docMk/>
+      </pc:docMkLst>
+      <pc:sldChg chg="delSp mod">
+        <pc:chgData name="Robbin Bouwmeester" userId="1dbfebabfc25a55a" providerId="LiveId" clId="{BC89DDB8-0F0A-42D1-ADCB-75F03B06F303}" dt="2024-11-22T09:10:07.169" v="0" actId="478"/>
+        <pc:sldMkLst>
+          <pc:docMk/>
+          <pc:sldMk cId="2685696956" sldId="256"/>
+        </pc:sldMkLst>
+        <pc:spChg chg="del">
+          <ac:chgData name="Robbin Bouwmeester" userId="1dbfebabfc25a55a" providerId="LiveId" clId="{BC89DDB8-0F0A-42D1-ADCB-75F03B06F303}" dt="2024-11-22T09:10:07.169" v="0" actId="478"/>
+          <ac:spMkLst>
+            <pc:docMk/>
+            <pc:sldMk cId="2685696956" sldId="256"/>
+            <ac:spMk id="10" creationId="{2BEDEF55-DA97-799D-2A4C-56ABAB555608}"/>
+          </ac:spMkLst>
+        </pc:spChg>
+        <pc:picChg chg="del">
+          <ac:chgData name="Robbin Bouwmeester" userId="1dbfebabfc25a55a" providerId="LiveId" clId="{BC89DDB8-0F0A-42D1-ADCB-75F03B06F303}" dt="2024-11-22T09:10:07.169" v="0" actId="478"/>
+          <ac:picMkLst>
+            <pc:docMk/>
+            <pc:sldMk cId="2685696956" sldId="256"/>
+            <ac:picMk id="11" creationId="{67632F26-2C46-EA73-E85B-2DF5CA5CD39F}"/>
+          </ac:picMkLst>
+        </pc:picChg>
+        <pc:cxnChg chg="del">
+          <ac:chgData name="Robbin Bouwmeester" userId="1dbfebabfc25a55a" providerId="LiveId" clId="{BC89DDB8-0F0A-42D1-ADCB-75F03B06F303}" dt="2024-11-22T09:10:07.169" v="0" actId="478"/>
+          <ac:cxnSpMkLst>
+            <pc:docMk/>
+            <pc:sldMk cId="2685696956" sldId="256"/>
+            <ac:cxnSpMk id="12" creationId="{4647EF08-81E3-097F-C029-6EA59282BEB7}"/>
+          </ac:cxnSpMkLst>
+        </pc:cxnChg>
+      </pc:sldChg>
+      <pc:sldChg chg="delSp mod">
+        <pc:chgData name="Robbin Bouwmeester" userId="1dbfebabfc25a55a" providerId="LiveId" clId="{BC89DDB8-0F0A-42D1-ADCB-75F03B06F303}" dt="2024-11-22T09:10:13.986" v="3" actId="478"/>
+        <pc:sldMkLst>
+          <pc:docMk/>
+          <pc:sldMk cId="2649304373" sldId="257"/>
+        </pc:sldMkLst>
+        <pc:spChg chg="del">
+          <ac:chgData name="Robbin Bouwmeester" userId="1dbfebabfc25a55a" providerId="LiveId" clId="{BC89DDB8-0F0A-42D1-ADCB-75F03B06F303}" dt="2024-11-22T09:10:13.986" v="3" actId="478"/>
+          <ac:spMkLst>
+            <pc:docMk/>
+            <pc:sldMk cId="2649304373" sldId="257"/>
+            <ac:spMk id="14" creationId="{4B0B7A31-E7F6-54FF-A816-00E75D49FBB0}"/>
+          </ac:spMkLst>
+        </pc:spChg>
+        <pc:picChg chg="del">
+          <ac:chgData name="Robbin Bouwmeester" userId="1dbfebabfc25a55a" providerId="LiveId" clId="{BC89DDB8-0F0A-42D1-ADCB-75F03B06F303}" dt="2024-11-22T09:10:13.986" v="3" actId="478"/>
+          <ac:picMkLst>
+            <pc:docMk/>
+            <pc:sldMk cId="2649304373" sldId="257"/>
+            <ac:picMk id="15" creationId="{9368AA6F-532D-B896-8AEC-EE4BF5CC281D}"/>
+          </ac:picMkLst>
+        </pc:picChg>
+        <pc:cxnChg chg="del">
+          <ac:chgData name="Robbin Bouwmeester" userId="1dbfebabfc25a55a" providerId="LiveId" clId="{BC89DDB8-0F0A-42D1-ADCB-75F03B06F303}" dt="2024-11-22T09:10:13.986" v="3" actId="478"/>
+          <ac:cxnSpMkLst>
+            <pc:docMk/>
+            <pc:sldMk cId="2649304373" sldId="257"/>
+            <ac:cxnSpMk id="16" creationId="{D6F77449-1E95-B54B-4CA4-7DB7A1C294F2}"/>
+          </ac:cxnSpMkLst>
+        </pc:cxnChg>
+      </pc:sldChg>
+      <pc:sldChg chg="delSp mod">
+        <pc:chgData name="Robbin Bouwmeester" userId="1dbfebabfc25a55a" providerId="LiveId" clId="{BC89DDB8-0F0A-42D1-ADCB-75F03B06F303}" dt="2024-11-22T09:10:09.531" v="1" actId="478"/>
+        <pc:sldMkLst>
+          <pc:docMk/>
+          <pc:sldMk cId="3669260916" sldId="258"/>
+        </pc:sldMkLst>
+        <pc:spChg chg="del">
+          <ac:chgData name="Robbin Bouwmeester" userId="1dbfebabfc25a55a" providerId="LiveId" clId="{BC89DDB8-0F0A-42D1-ADCB-75F03B06F303}" dt="2024-11-22T09:10:09.531" v="1" actId="478"/>
+          <ac:spMkLst>
+            <pc:docMk/>
+            <pc:sldMk cId="3669260916" sldId="258"/>
+            <ac:spMk id="4" creationId="{3DD9BC89-25DB-2FED-BF7C-9C0FA7FE404E}"/>
+          </ac:spMkLst>
+        </pc:spChg>
+        <pc:picChg chg="del">
+          <ac:chgData name="Robbin Bouwmeester" userId="1dbfebabfc25a55a" providerId="LiveId" clId="{BC89DDB8-0F0A-42D1-ADCB-75F03B06F303}" dt="2024-11-22T09:10:09.531" v="1" actId="478"/>
+          <ac:picMkLst>
+            <pc:docMk/>
+            <pc:sldMk cId="3669260916" sldId="258"/>
+            <ac:picMk id="14" creationId="{44E78683-6D11-2EB0-C82C-DE3615420752}"/>
+          </ac:picMkLst>
+        </pc:picChg>
+        <pc:cxnChg chg="del">
+          <ac:chgData name="Robbin Bouwmeester" userId="1dbfebabfc25a55a" providerId="LiveId" clId="{BC89DDB8-0F0A-42D1-ADCB-75F03B06F303}" dt="2024-11-22T09:10:09.531" v="1" actId="478"/>
+          <ac:cxnSpMkLst>
+            <pc:docMk/>
+            <pc:sldMk cId="3669260916" sldId="258"/>
+            <ac:cxnSpMk id="15" creationId="{9143C97F-3108-CAB7-D20E-A6AD219F0ACB}"/>
+          </ac:cxnSpMkLst>
+        </pc:cxnChg>
+      </pc:sldChg>
+      <pc:sldChg chg="delSp mod">
+        <pc:chgData name="Robbin Bouwmeester" userId="1dbfebabfc25a55a" providerId="LiveId" clId="{BC89DDB8-0F0A-42D1-ADCB-75F03B06F303}" dt="2024-11-22T09:10:11.496" v="2" actId="478"/>
+        <pc:sldMkLst>
+          <pc:docMk/>
+          <pc:sldMk cId="1918315811" sldId="259"/>
+        </pc:sldMkLst>
+        <pc:spChg chg="del">
+          <ac:chgData name="Robbin Bouwmeester" userId="1dbfebabfc25a55a" providerId="LiveId" clId="{BC89DDB8-0F0A-42D1-ADCB-75F03B06F303}" dt="2024-11-22T09:10:11.496" v="2" actId="478"/>
+          <ac:spMkLst>
+            <pc:docMk/>
+            <pc:sldMk cId="1918315811" sldId="259"/>
+            <ac:spMk id="6" creationId="{6423CD2C-B6BD-F055-4E36-2285AF95CB11}"/>
+          </ac:spMkLst>
+        </pc:spChg>
+        <pc:picChg chg="del">
+          <ac:chgData name="Robbin Bouwmeester" userId="1dbfebabfc25a55a" providerId="LiveId" clId="{BC89DDB8-0F0A-42D1-ADCB-75F03B06F303}" dt="2024-11-22T09:10:11.496" v="2" actId="478"/>
+          <ac:picMkLst>
+            <pc:docMk/>
+            <pc:sldMk cId="1918315811" sldId="259"/>
+            <ac:picMk id="12" creationId="{ED35098F-9185-F93B-F349-881B92546C72}"/>
+          </ac:picMkLst>
+        </pc:picChg>
+        <pc:cxnChg chg="del">
+          <ac:chgData name="Robbin Bouwmeester" userId="1dbfebabfc25a55a" providerId="LiveId" clId="{BC89DDB8-0F0A-42D1-ADCB-75F03B06F303}" dt="2024-11-22T09:10:11.496" v="2" actId="478"/>
+          <ac:cxnSpMkLst>
+            <pc:docMk/>
+            <pc:sldMk cId="1918315811" sldId="259"/>
+            <ac:cxnSpMk id="13" creationId="{B3017793-34AA-9DC0-C859-682B05E70FFD}"/>
+          </ac:cxnSpMkLst>
+        </pc:cxnChg>
+      </pc:sldChg>
+      <pc:sldChg chg="delSp mod">
+        <pc:chgData name="Robbin Bouwmeester" userId="1dbfebabfc25a55a" providerId="LiveId" clId="{BC89DDB8-0F0A-42D1-ADCB-75F03B06F303}" dt="2024-11-22T09:10:16.715" v="4" actId="478"/>
+        <pc:sldMkLst>
+          <pc:docMk/>
+          <pc:sldMk cId="1980316138" sldId="260"/>
+        </pc:sldMkLst>
+        <pc:spChg chg="del">
+          <ac:chgData name="Robbin Bouwmeester" userId="1dbfebabfc25a55a" providerId="LiveId" clId="{BC89DDB8-0F0A-42D1-ADCB-75F03B06F303}" dt="2024-11-22T09:10:16.715" v="4" actId="478"/>
+          <ac:spMkLst>
+            <pc:docMk/>
+            <pc:sldMk cId="1980316138" sldId="260"/>
+            <ac:spMk id="8" creationId="{2AAD639C-196B-7296-34B6-988F1B8E9D74}"/>
+          </ac:spMkLst>
+        </pc:spChg>
+        <pc:picChg chg="del">
+          <ac:chgData name="Robbin Bouwmeester" userId="1dbfebabfc25a55a" providerId="LiveId" clId="{BC89DDB8-0F0A-42D1-ADCB-75F03B06F303}" dt="2024-11-22T09:10:16.715" v="4" actId="478"/>
+          <ac:picMkLst>
+            <pc:docMk/>
+            <pc:sldMk cId="1980316138" sldId="260"/>
+            <ac:picMk id="9" creationId="{FD324325-F016-B255-03B5-03B5410F6311}"/>
+          </ac:picMkLst>
+        </pc:picChg>
+        <pc:cxnChg chg="del">
+          <ac:chgData name="Robbin Bouwmeester" userId="1dbfebabfc25a55a" providerId="LiveId" clId="{BC89DDB8-0F0A-42D1-ADCB-75F03B06F303}" dt="2024-11-22T09:10:16.715" v="4" actId="478"/>
+          <ac:cxnSpMkLst>
+            <pc:docMk/>
+            <pc:sldMk cId="1980316138" sldId="260"/>
+            <ac:cxnSpMk id="10" creationId="{9A528859-2D2C-89A7-76BE-03844A3C1CC7}"/>
+          </ac:cxnSpMkLst>
+        </pc:cxnChg>
+      </pc:sldChg>
+      <pc:sldChg chg="delSp mod">
+        <pc:chgData name="Robbin Bouwmeester" userId="1dbfebabfc25a55a" providerId="LiveId" clId="{BC89DDB8-0F0A-42D1-ADCB-75F03B06F303}" dt="2024-11-22T09:10:20.082" v="5" actId="478"/>
+        <pc:sldMkLst>
+          <pc:docMk/>
+          <pc:sldMk cId="4146636672" sldId="261"/>
+        </pc:sldMkLst>
+        <pc:spChg chg="del">
+          <ac:chgData name="Robbin Bouwmeester" userId="1dbfebabfc25a55a" providerId="LiveId" clId="{BC89DDB8-0F0A-42D1-ADCB-75F03B06F303}" dt="2024-11-22T09:10:20.082" v="5" actId="478"/>
+          <ac:spMkLst>
+            <pc:docMk/>
+            <pc:sldMk cId="4146636672" sldId="261"/>
+            <ac:spMk id="8" creationId="{85B5E777-012E-45E0-07D0-A2455417A81A}"/>
+          </ac:spMkLst>
+        </pc:spChg>
+        <pc:picChg chg="del">
+          <ac:chgData name="Robbin Bouwmeester" userId="1dbfebabfc25a55a" providerId="LiveId" clId="{BC89DDB8-0F0A-42D1-ADCB-75F03B06F303}" dt="2024-11-22T09:10:20.082" v="5" actId="478"/>
+          <ac:picMkLst>
+            <pc:docMk/>
+            <pc:sldMk cId="4146636672" sldId="261"/>
+            <ac:picMk id="9" creationId="{00A45B74-2C86-209D-B4E2-22A86D1B6249}"/>
+          </ac:picMkLst>
+        </pc:picChg>
+        <pc:cxnChg chg="del">
+          <ac:chgData name="Robbin Bouwmeester" userId="1dbfebabfc25a55a" providerId="LiveId" clId="{BC89DDB8-0F0A-42D1-ADCB-75F03B06F303}" dt="2024-11-22T09:10:20.082" v="5" actId="478"/>
+          <ac:cxnSpMkLst>
+            <pc:docMk/>
+            <pc:sldMk cId="4146636672" sldId="261"/>
+            <ac:cxnSpMk id="10" creationId="{3E0B5BEF-ABBD-739A-C4B9-E2AF4BC4A4B0}"/>
+          </ac:cxnSpMkLst>
+        </pc:cxnChg>
+      </pc:sldChg>
+      <pc:sldChg chg="delSp mod">
+        <pc:chgData name="Robbin Bouwmeester" userId="1dbfebabfc25a55a" providerId="LiveId" clId="{BC89DDB8-0F0A-42D1-ADCB-75F03B06F303}" dt="2024-11-22T09:10:22.212" v="6" actId="478"/>
+        <pc:sldMkLst>
+          <pc:docMk/>
+          <pc:sldMk cId="4137418123" sldId="262"/>
+        </pc:sldMkLst>
+        <pc:spChg chg="del">
+          <ac:chgData name="Robbin Bouwmeester" userId="1dbfebabfc25a55a" providerId="LiveId" clId="{BC89DDB8-0F0A-42D1-ADCB-75F03B06F303}" dt="2024-11-22T09:10:22.212" v="6" actId="478"/>
+          <ac:spMkLst>
+            <pc:docMk/>
+            <pc:sldMk cId="4137418123" sldId="262"/>
+            <ac:spMk id="5" creationId="{8B76884D-378A-9402-5A7C-AE9714764383}"/>
+          </ac:spMkLst>
+        </pc:spChg>
+        <pc:picChg chg="del">
+          <ac:chgData name="Robbin Bouwmeester" userId="1dbfebabfc25a55a" providerId="LiveId" clId="{BC89DDB8-0F0A-42D1-ADCB-75F03B06F303}" dt="2024-11-22T09:10:22.212" v="6" actId="478"/>
+          <ac:picMkLst>
+            <pc:docMk/>
+            <pc:sldMk cId="4137418123" sldId="262"/>
+            <ac:picMk id="7" creationId="{20A0D588-C2C3-D42C-E61F-E267CA0268D2}"/>
+          </ac:picMkLst>
+        </pc:picChg>
+        <pc:cxnChg chg="del">
+          <ac:chgData name="Robbin Bouwmeester" userId="1dbfebabfc25a55a" providerId="LiveId" clId="{BC89DDB8-0F0A-42D1-ADCB-75F03B06F303}" dt="2024-11-22T09:10:22.212" v="6" actId="478"/>
+          <ac:cxnSpMkLst>
+            <pc:docMk/>
+            <pc:sldMk cId="4137418123" sldId="262"/>
+            <ac:cxnSpMk id="13" creationId="{653B8F5E-EAD4-5E27-4226-121FC3F87154}"/>
+          </ac:cxnSpMkLst>
+        </pc:cxnChg>
+      </pc:sldChg>
+    </pc:docChg>
+  </pc:docChgLst>
+</pc:chgInfo>
+</file>
+
 <file path=ppt/handoutMasters/handoutMaster1.xml><?xml version="1.0" encoding="utf-8"?>
 <p:handoutMaster xmlns:a="http://schemas.openxmlformats.org/drawingml/2006/main" xmlns:r="http://schemas.openxmlformats.org/officeDocument/2006/relationships" xmlns:p="http://schemas.openxmlformats.org/presentationml/2006/main">
   <p:cSld>
@@ -206,7 +437,7 @@
           <a:p>
             <a:fld id="{9BE03065-E7C1-422E-AB3E-02948DD233B1}" type="datetimeFigureOut">
               <a:rPr lang="en-US" smtClean="0"/>
-              <a:t>4/13/2023</a:t>
+              <a:t>11/22/2024</a:t>
             </a:fld>
             <a:endParaRPr lang="en-US"/>
           </a:p>
@@ -371,7 +602,7 @@
           <a:p>
             <a:fld id="{93246B00-6205-4BBC-A10C-B6ECCEF3EDA8}" type="datetimeFigureOut">
               <a:rPr lang="en-GB" smtClean="0"/>
-              <a:t>13/04/2023</a:t>
+              <a:t>22/11/2024</a:t>
             </a:fld>
             <a:endParaRPr lang="en-GB"/>
           </a:p>
@@ -1194,7 +1425,7 @@
           <a:p>
             <a:fld id="{F9EC880F-CD94-428A-9C30-279F40577F59}" type="datetimeFigureOut">
               <a:rPr lang="en-GB" smtClean="0"/>
-              <a:t>13/04/2023</a:t>
+              <a:t>22/11/2024</a:t>
             </a:fld>
             <a:endParaRPr lang="en-GB"/>
           </a:p>
@@ -1364,7 +1595,7 @@
           <a:p>
             <a:fld id="{F9EC880F-CD94-428A-9C30-279F40577F59}" type="datetimeFigureOut">
               <a:rPr lang="en-GB" smtClean="0"/>
-              <a:t>13/04/2023</a:t>
+              <a:t>22/11/2024</a:t>
             </a:fld>
             <a:endParaRPr lang="en-GB"/>
           </a:p>
@@ -1544,7 +1775,7 @@
           <a:p>
             <a:fld id="{F9EC880F-CD94-428A-9C30-279F40577F59}" type="datetimeFigureOut">
               <a:rPr lang="en-GB" smtClean="0"/>
-              <a:t>13/04/2023</a:t>
+              <a:t>22/11/2024</a:t>
             </a:fld>
             <a:endParaRPr lang="en-GB"/>
           </a:p>
@@ -1714,7 +1945,7 @@
           <a:p>
             <a:fld id="{F9EC880F-CD94-428A-9C30-279F40577F59}" type="datetimeFigureOut">
               <a:rPr lang="en-GB" smtClean="0"/>
-              <a:t>13/04/2023</a:t>
+              <a:t>22/11/2024</a:t>
             </a:fld>
             <a:endParaRPr lang="en-GB"/>
           </a:p>
@@ -1960,7 +2191,7 @@
           <a:p>
             <a:fld id="{F9EC880F-CD94-428A-9C30-279F40577F59}" type="datetimeFigureOut">
               <a:rPr lang="en-GB" smtClean="0"/>
-              <a:t>13/04/2023</a:t>
+              <a:t>22/11/2024</a:t>
             </a:fld>
             <a:endParaRPr lang="en-GB"/>
           </a:p>
@@ -2192,7 +2423,7 @@
           <a:p>
             <a:fld id="{F9EC880F-CD94-428A-9C30-279F40577F59}" type="datetimeFigureOut">
               <a:rPr lang="en-GB" smtClean="0"/>
-              <a:t>13/04/2023</a:t>
+              <a:t>22/11/2024</a:t>
             </a:fld>
             <a:endParaRPr lang="en-GB"/>
           </a:p>
@@ -2559,7 +2790,7 @@
           <a:p>
             <a:fld id="{F9EC880F-CD94-428A-9C30-279F40577F59}" type="datetimeFigureOut">
               <a:rPr lang="en-GB" smtClean="0"/>
-              <a:t>13/04/2023</a:t>
+              <a:t>22/11/2024</a:t>
             </a:fld>
             <a:endParaRPr lang="en-GB"/>
           </a:p>
@@ -2677,7 +2908,7 @@
           <a:p>
             <a:fld id="{F9EC880F-CD94-428A-9C30-279F40577F59}" type="datetimeFigureOut">
               <a:rPr lang="en-GB" smtClean="0"/>
-              <a:t>13/04/2023</a:t>
+              <a:t>22/11/2024</a:t>
             </a:fld>
             <a:endParaRPr lang="en-GB"/>
           </a:p>
@@ -2772,7 +3003,7 @@
           <a:p>
             <a:fld id="{F9EC880F-CD94-428A-9C30-279F40577F59}" type="datetimeFigureOut">
               <a:rPr lang="en-GB" smtClean="0"/>
-              <a:t>13/04/2023</a:t>
+              <a:t>22/11/2024</a:t>
             </a:fld>
             <a:endParaRPr lang="en-GB"/>
           </a:p>
@@ -3049,7 +3280,7 @@
           <a:p>
             <a:fld id="{F9EC880F-CD94-428A-9C30-279F40577F59}" type="datetimeFigureOut">
               <a:rPr lang="en-GB" smtClean="0"/>
-              <a:t>13/04/2023</a:t>
+              <a:t>22/11/2024</a:t>
             </a:fld>
             <a:endParaRPr lang="en-GB"/>
           </a:p>
@@ -3302,7 +3533,7 @@
           <a:p>
             <a:fld id="{F9EC880F-CD94-428A-9C30-279F40577F59}" type="datetimeFigureOut">
               <a:rPr lang="en-GB" smtClean="0"/>
-              <a:t>13/04/2023</a:t>
+              <a:t>22/11/2024</a:t>
             </a:fld>
             <a:endParaRPr lang="en-GB"/>
           </a:p>
@@ -3515,7 +3746,7 @@
           <a:p>
             <a:fld id="{F9EC880F-CD94-428A-9C30-279F40577F59}" type="datetimeFigureOut">
               <a:rPr lang="en-GB" smtClean="0"/>
-              <a:t>13/04/2023</a:t>
+              <a:t>22/11/2024</a:t>
             </a:fld>
             <a:endParaRPr lang="en-GB"/>
           </a:p>
@@ -4128,140 +4359,6 @@
           </a:prstGeom>
         </p:spPr>
       </p:pic>
-      <p:sp>
-        <p:nvSpPr>
-          <p:cNvPr id="10" name="TextBox 9">
-            <a:extLst>
-              <a:ext uri="{FF2B5EF4-FFF2-40B4-BE49-F238E27FC236}">
-                <a16:creationId xmlns:a16="http://schemas.microsoft.com/office/drawing/2014/main" id="{2BEDEF55-DA97-799D-2A4C-56ABAB555608}"/>
-              </a:ext>
-            </a:extLst>
-          </p:cNvPr>
-          <p:cNvSpPr txBox="1"/>
-          <p:nvPr/>
-        </p:nvSpPr>
-        <p:spPr>
-          <a:xfrm>
-            <a:off x="66907" y="6550223"/>
-            <a:ext cx="12059052" cy="276999"/>
-          </a:xfrm>
-          <a:prstGeom prst="rect">
-            <a:avLst/>
-          </a:prstGeom>
-          <a:noFill/>
-        </p:spPr>
-        <p:txBody>
-          <a:bodyPr wrap="square">
-            <a:spAutoFit/>
-          </a:bodyPr>
-          <a:lstStyle/>
-          <a:p>
-            <a:pPr algn="ctr"/>
-            <a:r>
-              <a:rPr lang="en-GB" sz="1200" dirty="0">
-                <a:solidFill>
-                  <a:schemeClr val="bg2">
-                    <a:lumMod val="75000"/>
-                  </a:schemeClr>
-                </a:solidFill>
-              </a:rPr>
-              <a:t>Machine Learning Methods for Biomedical Data (D012554)</a:t>
-            </a:r>
-            <a:r>
-              <a:rPr lang="nl-BE" sz="1200" dirty="0">
-                <a:solidFill>
-                  <a:schemeClr val="bg2">
-                    <a:lumMod val="75000"/>
-                  </a:schemeClr>
-                </a:solidFill>
-              </a:rPr>
-              <a:t> </a:t>
-            </a:r>
-            <a:endParaRPr lang="LID4096" sz="1200" dirty="0">
-              <a:solidFill>
-                <a:schemeClr val="bg2">
-                  <a:lumMod val="75000"/>
-                </a:schemeClr>
-              </a:solidFill>
-            </a:endParaRPr>
-          </a:p>
-        </p:txBody>
-      </p:sp>
-      <p:pic>
-        <p:nvPicPr>
-          <p:cNvPr id="11" name="Picture 10">
-            <a:extLst>
-              <a:ext uri="{FF2B5EF4-FFF2-40B4-BE49-F238E27FC236}">
-                <a16:creationId xmlns:a16="http://schemas.microsoft.com/office/drawing/2014/main" id="{67632F26-2C46-EA73-E85B-2DF5CA5CD39F}"/>
-              </a:ext>
-            </a:extLst>
-          </p:cNvPr>
-          <p:cNvPicPr>
-            <a:picLocks noChangeAspect="1"/>
-          </p:cNvPicPr>
-          <p:nvPr/>
-        </p:nvPicPr>
-        <p:blipFill>
-          <a:blip r:embed="rId4"/>
-          <a:stretch>
-            <a:fillRect/>
-          </a:stretch>
-        </p:blipFill>
-        <p:spPr>
-          <a:xfrm>
-            <a:off x="66041" y="6286237"/>
-            <a:ext cx="549743" cy="527971"/>
-          </a:xfrm>
-          <a:prstGeom prst="rect">
-            <a:avLst/>
-          </a:prstGeom>
-        </p:spPr>
-      </p:pic>
-      <p:cxnSp>
-        <p:nvCxnSpPr>
-          <p:cNvPr id="12" name="Straight Connector 11">
-            <a:extLst>
-              <a:ext uri="{FF2B5EF4-FFF2-40B4-BE49-F238E27FC236}">
-                <a16:creationId xmlns:a16="http://schemas.microsoft.com/office/drawing/2014/main" id="{4647EF08-81E3-097F-C029-6EA59282BEB7}"/>
-              </a:ext>
-            </a:extLst>
-          </p:cNvPr>
-          <p:cNvCxnSpPr>
-            <a:cxnSpLocks/>
-          </p:cNvCxnSpPr>
-          <p:nvPr/>
-        </p:nvCxnSpPr>
-        <p:spPr>
-          <a:xfrm flipV="1">
-            <a:off x="599056" y="6544646"/>
-            <a:ext cx="11405231" cy="1"/>
-          </a:xfrm>
-          <a:prstGeom prst="line">
-            <a:avLst/>
-          </a:prstGeom>
-          <a:ln>
-            <a:solidFill>
-              <a:schemeClr val="bg2">
-                <a:lumMod val="75000"/>
-              </a:schemeClr>
-            </a:solidFill>
-          </a:ln>
-        </p:spPr>
-        <p:style>
-          <a:lnRef idx="1">
-            <a:schemeClr val="accent1"/>
-          </a:lnRef>
-          <a:fillRef idx="0">
-            <a:schemeClr val="accent1"/>
-          </a:fillRef>
-          <a:effectRef idx="0">
-            <a:schemeClr val="accent1"/>
-          </a:effectRef>
-          <a:fontRef idx="minor">
-            <a:schemeClr val="tx1"/>
-          </a:fontRef>
-        </p:style>
-      </p:cxnSp>
     </p:spTree>
     <p:extLst>
       <p:ext uri="{BB962C8B-B14F-4D97-AF65-F5344CB8AC3E}">
@@ -4612,140 +4709,6 @@
           </a:p>
         </p:txBody>
       </p:sp>
-      <p:sp>
-        <p:nvSpPr>
-          <p:cNvPr id="4" name="TextBox 3">
-            <a:extLst>
-              <a:ext uri="{FF2B5EF4-FFF2-40B4-BE49-F238E27FC236}">
-                <a16:creationId xmlns:a16="http://schemas.microsoft.com/office/drawing/2014/main" id="{3DD9BC89-25DB-2FED-BF7C-9C0FA7FE404E}"/>
-              </a:ext>
-            </a:extLst>
-          </p:cNvPr>
-          <p:cNvSpPr txBox="1"/>
-          <p:nvPr/>
-        </p:nvSpPr>
-        <p:spPr>
-          <a:xfrm>
-            <a:off x="66907" y="6550223"/>
-            <a:ext cx="12059052" cy="276999"/>
-          </a:xfrm>
-          <a:prstGeom prst="rect">
-            <a:avLst/>
-          </a:prstGeom>
-          <a:noFill/>
-        </p:spPr>
-        <p:txBody>
-          <a:bodyPr wrap="square">
-            <a:spAutoFit/>
-          </a:bodyPr>
-          <a:lstStyle/>
-          <a:p>
-            <a:pPr algn="ctr"/>
-            <a:r>
-              <a:rPr lang="en-GB" sz="1200" dirty="0">
-                <a:solidFill>
-                  <a:schemeClr val="bg2">
-                    <a:lumMod val="75000"/>
-                  </a:schemeClr>
-                </a:solidFill>
-              </a:rPr>
-              <a:t>Machine Learning Methods for Biomedical Data (D012554)</a:t>
-            </a:r>
-            <a:r>
-              <a:rPr lang="nl-BE" sz="1200" dirty="0">
-                <a:solidFill>
-                  <a:schemeClr val="bg2">
-                    <a:lumMod val="75000"/>
-                  </a:schemeClr>
-                </a:solidFill>
-              </a:rPr>
-              <a:t> </a:t>
-            </a:r>
-            <a:endParaRPr lang="LID4096" sz="1200" dirty="0">
-              <a:solidFill>
-                <a:schemeClr val="bg2">
-                  <a:lumMod val="75000"/>
-                </a:schemeClr>
-              </a:solidFill>
-            </a:endParaRPr>
-          </a:p>
-        </p:txBody>
-      </p:sp>
-      <p:pic>
-        <p:nvPicPr>
-          <p:cNvPr id="14" name="Picture 13">
-            <a:extLst>
-              <a:ext uri="{FF2B5EF4-FFF2-40B4-BE49-F238E27FC236}">
-                <a16:creationId xmlns:a16="http://schemas.microsoft.com/office/drawing/2014/main" id="{44E78683-6D11-2EB0-C82C-DE3615420752}"/>
-              </a:ext>
-            </a:extLst>
-          </p:cNvPr>
-          <p:cNvPicPr>
-            <a:picLocks noChangeAspect="1"/>
-          </p:cNvPicPr>
-          <p:nvPr/>
-        </p:nvPicPr>
-        <p:blipFill>
-          <a:blip r:embed="rId7"/>
-          <a:stretch>
-            <a:fillRect/>
-          </a:stretch>
-        </p:blipFill>
-        <p:spPr>
-          <a:xfrm>
-            <a:off x="66041" y="6286237"/>
-            <a:ext cx="549743" cy="527971"/>
-          </a:xfrm>
-          <a:prstGeom prst="rect">
-            <a:avLst/>
-          </a:prstGeom>
-        </p:spPr>
-      </p:pic>
-      <p:cxnSp>
-        <p:nvCxnSpPr>
-          <p:cNvPr id="15" name="Straight Connector 14">
-            <a:extLst>
-              <a:ext uri="{FF2B5EF4-FFF2-40B4-BE49-F238E27FC236}">
-                <a16:creationId xmlns:a16="http://schemas.microsoft.com/office/drawing/2014/main" id="{9143C97F-3108-CAB7-D20E-A6AD219F0ACB}"/>
-              </a:ext>
-            </a:extLst>
-          </p:cNvPr>
-          <p:cNvCxnSpPr>
-            <a:cxnSpLocks/>
-          </p:cNvCxnSpPr>
-          <p:nvPr/>
-        </p:nvCxnSpPr>
-        <p:spPr>
-          <a:xfrm flipV="1">
-            <a:off x="599056" y="6544646"/>
-            <a:ext cx="11405231" cy="1"/>
-          </a:xfrm>
-          <a:prstGeom prst="line">
-            <a:avLst/>
-          </a:prstGeom>
-          <a:ln>
-            <a:solidFill>
-              <a:schemeClr val="bg2">
-                <a:lumMod val="75000"/>
-              </a:schemeClr>
-            </a:solidFill>
-          </a:ln>
-        </p:spPr>
-        <p:style>
-          <a:lnRef idx="1">
-            <a:schemeClr val="accent1"/>
-          </a:lnRef>
-          <a:fillRef idx="0">
-            <a:schemeClr val="accent1"/>
-          </a:fillRef>
-          <a:effectRef idx="0">
-            <a:schemeClr val="accent1"/>
-          </a:effectRef>
-          <a:fontRef idx="minor">
-            <a:schemeClr val="tx1"/>
-          </a:fontRef>
-        </p:style>
-      </p:cxnSp>
     </p:spTree>
     <p:extLst>
       <p:ext uri="{BB962C8B-B14F-4D97-AF65-F5344CB8AC3E}">
@@ -5048,140 +5011,6 @@
           </a:p>
         </p:txBody>
       </p:sp>
-      <p:sp>
-        <p:nvSpPr>
-          <p:cNvPr id="6" name="TextBox 5">
-            <a:extLst>
-              <a:ext uri="{FF2B5EF4-FFF2-40B4-BE49-F238E27FC236}">
-                <a16:creationId xmlns:a16="http://schemas.microsoft.com/office/drawing/2014/main" id="{6423CD2C-B6BD-F055-4E36-2285AF95CB11}"/>
-              </a:ext>
-            </a:extLst>
-          </p:cNvPr>
-          <p:cNvSpPr txBox="1"/>
-          <p:nvPr/>
-        </p:nvSpPr>
-        <p:spPr>
-          <a:xfrm>
-            <a:off x="66907" y="6550223"/>
-            <a:ext cx="12059052" cy="276999"/>
-          </a:xfrm>
-          <a:prstGeom prst="rect">
-            <a:avLst/>
-          </a:prstGeom>
-          <a:noFill/>
-        </p:spPr>
-        <p:txBody>
-          <a:bodyPr wrap="square">
-            <a:spAutoFit/>
-          </a:bodyPr>
-          <a:lstStyle/>
-          <a:p>
-            <a:pPr algn="ctr"/>
-            <a:r>
-              <a:rPr lang="en-GB" sz="1200" dirty="0">
-                <a:solidFill>
-                  <a:schemeClr val="bg2">
-                    <a:lumMod val="75000"/>
-                  </a:schemeClr>
-                </a:solidFill>
-              </a:rPr>
-              <a:t>Machine Learning Methods for Biomedical Data (D012554)</a:t>
-            </a:r>
-            <a:r>
-              <a:rPr lang="nl-BE" sz="1200" dirty="0">
-                <a:solidFill>
-                  <a:schemeClr val="bg2">
-                    <a:lumMod val="75000"/>
-                  </a:schemeClr>
-                </a:solidFill>
-              </a:rPr>
-              <a:t> </a:t>
-            </a:r>
-            <a:endParaRPr lang="LID4096" sz="1200" dirty="0">
-              <a:solidFill>
-                <a:schemeClr val="bg2">
-                  <a:lumMod val="75000"/>
-                </a:schemeClr>
-              </a:solidFill>
-            </a:endParaRPr>
-          </a:p>
-        </p:txBody>
-      </p:sp>
-      <p:pic>
-        <p:nvPicPr>
-          <p:cNvPr id="12" name="Picture 11">
-            <a:extLst>
-              <a:ext uri="{FF2B5EF4-FFF2-40B4-BE49-F238E27FC236}">
-                <a16:creationId xmlns:a16="http://schemas.microsoft.com/office/drawing/2014/main" id="{ED35098F-9185-F93B-F349-881B92546C72}"/>
-              </a:ext>
-            </a:extLst>
-          </p:cNvPr>
-          <p:cNvPicPr>
-            <a:picLocks noChangeAspect="1"/>
-          </p:cNvPicPr>
-          <p:nvPr/>
-        </p:nvPicPr>
-        <p:blipFill>
-          <a:blip r:embed="rId6"/>
-          <a:stretch>
-            <a:fillRect/>
-          </a:stretch>
-        </p:blipFill>
-        <p:spPr>
-          <a:xfrm>
-            <a:off x="66041" y="6286237"/>
-            <a:ext cx="549743" cy="527971"/>
-          </a:xfrm>
-          <a:prstGeom prst="rect">
-            <a:avLst/>
-          </a:prstGeom>
-        </p:spPr>
-      </p:pic>
-      <p:cxnSp>
-        <p:nvCxnSpPr>
-          <p:cNvPr id="13" name="Straight Connector 12">
-            <a:extLst>
-              <a:ext uri="{FF2B5EF4-FFF2-40B4-BE49-F238E27FC236}">
-                <a16:creationId xmlns:a16="http://schemas.microsoft.com/office/drawing/2014/main" id="{B3017793-34AA-9DC0-C859-682B05E70FFD}"/>
-              </a:ext>
-            </a:extLst>
-          </p:cNvPr>
-          <p:cNvCxnSpPr>
-            <a:cxnSpLocks/>
-          </p:cNvCxnSpPr>
-          <p:nvPr/>
-        </p:nvCxnSpPr>
-        <p:spPr>
-          <a:xfrm flipV="1">
-            <a:off x="599056" y="6544646"/>
-            <a:ext cx="11405231" cy="1"/>
-          </a:xfrm>
-          <a:prstGeom prst="line">
-            <a:avLst/>
-          </a:prstGeom>
-          <a:ln>
-            <a:solidFill>
-              <a:schemeClr val="bg2">
-                <a:lumMod val="75000"/>
-              </a:schemeClr>
-            </a:solidFill>
-          </a:ln>
-        </p:spPr>
-        <p:style>
-          <a:lnRef idx="1">
-            <a:schemeClr val="accent1"/>
-          </a:lnRef>
-          <a:fillRef idx="0">
-            <a:schemeClr val="accent1"/>
-          </a:fillRef>
-          <a:effectRef idx="0">
-            <a:schemeClr val="accent1"/>
-          </a:effectRef>
-          <a:fontRef idx="minor">
-            <a:schemeClr val="tx1"/>
-          </a:fontRef>
-        </p:style>
-      </p:cxnSp>
     </p:spTree>
     <p:extLst>
       <p:ext uri="{BB962C8B-B14F-4D97-AF65-F5344CB8AC3E}">
@@ -5328,140 +5157,6 @@
           </a:prstGeom>
         </p:spPr>
       </p:pic>
-      <p:sp>
-        <p:nvSpPr>
-          <p:cNvPr id="14" name="TextBox 13">
-            <a:extLst>
-              <a:ext uri="{FF2B5EF4-FFF2-40B4-BE49-F238E27FC236}">
-                <a16:creationId xmlns:a16="http://schemas.microsoft.com/office/drawing/2014/main" id="{4B0B7A31-E7F6-54FF-A816-00E75D49FBB0}"/>
-              </a:ext>
-            </a:extLst>
-          </p:cNvPr>
-          <p:cNvSpPr txBox="1"/>
-          <p:nvPr/>
-        </p:nvSpPr>
-        <p:spPr>
-          <a:xfrm>
-            <a:off x="66907" y="6550223"/>
-            <a:ext cx="12059052" cy="276999"/>
-          </a:xfrm>
-          <a:prstGeom prst="rect">
-            <a:avLst/>
-          </a:prstGeom>
-          <a:noFill/>
-        </p:spPr>
-        <p:txBody>
-          <a:bodyPr wrap="square">
-            <a:spAutoFit/>
-          </a:bodyPr>
-          <a:lstStyle/>
-          <a:p>
-            <a:pPr algn="ctr"/>
-            <a:r>
-              <a:rPr lang="en-GB" sz="1200" dirty="0">
-                <a:solidFill>
-                  <a:schemeClr val="bg2">
-                    <a:lumMod val="75000"/>
-                  </a:schemeClr>
-                </a:solidFill>
-              </a:rPr>
-              <a:t>Machine Learning Methods for Biomedical Data (D012554)</a:t>
-            </a:r>
-            <a:r>
-              <a:rPr lang="nl-BE" sz="1200" dirty="0">
-                <a:solidFill>
-                  <a:schemeClr val="bg2">
-                    <a:lumMod val="75000"/>
-                  </a:schemeClr>
-                </a:solidFill>
-              </a:rPr>
-              <a:t> </a:t>
-            </a:r>
-            <a:endParaRPr lang="LID4096" sz="1200" dirty="0">
-              <a:solidFill>
-                <a:schemeClr val="bg2">
-                  <a:lumMod val="75000"/>
-                </a:schemeClr>
-              </a:solidFill>
-            </a:endParaRPr>
-          </a:p>
-        </p:txBody>
-      </p:sp>
-      <p:pic>
-        <p:nvPicPr>
-          <p:cNvPr id="15" name="Picture 14">
-            <a:extLst>
-              <a:ext uri="{FF2B5EF4-FFF2-40B4-BE49-F238E27FC236}">
-                <a16:creationId xmlns:a16="http://schemas.microsoft.com/office/drawing/2014/main" id="{9368AA6F-532D-B896-8AEC-EE4BF5CC281D}"/>
-              </a:ext>
-            </a:extLst>
-          </p:cNvPr>
-          <p:cNvPicPr>
-            <a:picLocks noChangeAspect="1"/>
-          </p:cNvPicPr>
-          <p:nvPr/>
-        </p:nvPicPr>
-        <p:blipFill>
-          <a:blip r:embed="rId5"/>
-          <a:stretch>
-            <a:fillRect/>
-          </a:stretch>
-        </p:blipFill>
-        <p:spPr>
-          <a:xfrm>
-            <a:off x="66041" y="6286237"/>
-            <a:ext cx="549743" cy="527971"/>
-          </a:xfrm>
-          <a:prstGeom prst="rect">
-            <a:avLst/>
-          </a:prstGeom>
-        </p:spPr>
-      </p:pic>
-      <p:cxnSp>
-        <p:nvCxnSpPr>
-          <p:cNvPr id="16" name="Straight Connector 15">
-            <a:extLst>
-              <a:ext uri="{FF2B5EF4-FFF2-40B4-BE49-F238E27FC236}">
-                <a16:creationId xmlns:a16="http://schemas.microsoft.com/office/drawing/2014/main" id="{D6F77449-1E95-B54B-4CA4-7DB7A1C294F2}"/>
-              </a:ext>
-            </a:extLst>
-          </p:cNvPr>
-          <p:cNvCxnSpPr>
-            <a:cxnSpLocks/>
-          </p:cNvCxnSpPr>
-          <p:nvPr/>
-        </p:nvCxnSpPr>
-        <p:spPr>
-          <a:xfrm flipV="1">
-            <a:off x="599056" y="6544646"/>
-            <a:ext cx="11405231" cy="1"/>
-          </a:xfrm>
-          <a:prstGeom prst="line">
-            <a:avLst/>
-          </a:prstGeom>
-          <a:ln>
-            <a:solidFill>
-              <a:schemeClr val="bg2">
-                <a:lumMod val="75000"/>
-              </a:schemeClr>
-            </a:solidFill>
-          </a:ln>
-        </p:spPr>
-        <p:style>
-          <a:lnRef idx="1">
-            <a:schemeClr val="accent1"/>
-          </a:lnRef>
-          <a:fillRef idx="0">
-            <a:schemeClr val="accent1"/>
-          </a:fillRef>
-          <a:effectRef idx="0">
-            <a:schemeClr val="accent1"/>
-          </a:effectRef>
-          <a:fontRef idx="minor">
-            <a:schemeClr val="tx1"/>
-          </a:fontRef>
-        </p:style>
-      </p:cxnSp>
     </p:spTree>
     <p:extLst>
       <p:ext uri="{BB962C8B-B14F-4D97-AF65-F5344CB8AC3E}">
@@ -5596,140 +5291,6 @@
           </a:prstGeom>
         </p:spPr>
       </p:pic>
-      <p:sp>
-        <p:nvSpPr>
-          <p:cNvPr id="8" name="TextBox 7">
-            <a:extLst>
-              <a:ext uri="{FF2B5EF4-FFF2-40B4-BE49-F238E27FC236}">
-                <a16:creationId xmlns:a16="http://schemas.microsoft.com/office/drawing/2014/main" id="{2AAD639C-196B-7296-34B6-988F1B8E9D74}"/>
-              </a:ext>
-            </a:extLst>
-          </p:cNvPr>
-          <p:cNvSpPr txBox="1"/>
-          <p:nvPr/>
-        </p:nvSpPr>
-        <p:spPr>
-          <a:xfrm>
-            <a:off x="66907" y="6550223"/>
-            <a:ext cx="12059052" cy="276999"/>
-          </a:xfrm>
-          <a:prstGeom prst="rect">
-            <a:avLst/>
-          </a:prstGeom>
-          <a:noFill/>
-        </p:spPr>
-        <p:txBody>
-          <a:bodyPr wrap="square">
-            <a:spAutoFit/>
-          </a:bodyPr>
-          <a:lstStyle/>
-          <a:p>
-            <a:pPr algn="ctr"/>
-            <a:r>
-              <a:rPr lang="en-GB" sz="1200" dirty="0">
-                <a:solidFill>
-                  <a:schemeClr val="bg2">
-                    <a:lumMod val="75000"/>
-                  </a:schemeClr>
-                </a:solidFill>
-              </a:rPr>
-              <a:t>Machine Learning Methods for Biomedical Data (D012554)</a:t>
-            </a:r>
-            <a:r>
-              <a:rPr lang="nl-BE" sz="1200" dirty="0">
-                <a:solidFill>
-                  <a:schemeClr val="bg2">
-                    <a:lumMod val="75000"/>
-                  </a:schemeClr>
-                </a:solidFill>
-              </a:rPr>
-              <a:t> </a:t>
-            </a:r>
-            <a:endParaRPr lang="LID4096" sz="1200" dirty="0">
-              <a:solidFill>
-                <a:schemeClr val="bg2">
-                  <a:lumMod val="75000"/>
-                </a:schemeClr>
-              </a:solidFill>
-            </a:endParaRPr>
-          </a:p>
-        </p:txBody>
-      </p:sp>
-      <p:pic>
-        <p:nvPicPr>
-          <p:cNvPr id="9" name="Picture 8">
-            <a:extLst>
-              <a:ext uri="{FF2B5EF4-FFF2-40B4-BE49-F238E27FC236}">
-                <a16:creationId xmlns:a16="http://schemas.microsoft.com/office/drawing/2014/main" id="{FD324325-F016-B255-03B5-03B5410F6311}"/>
-              </a:ext>
-            </a:extLst>
-          </p:cNvPr>
-          <p:cNvPicPr>
-            <a:picLocks noChangeAspect="1"/>
-          </p:cNvPicPr>
-          <p:nvPr/>
-        </p:nvPicPr>
-        <p:blipFill>
-          <a:blip r:embed="rId5"/>
-          <a:stretch>
-            <a:fillRect/>
-          </a:stretch>
-        </p:blipFill>
-        <p:spPr>
-          <a:xfrm>
-            <a:off x="66041" y="6286237"/>
-            <a:ext cx="549743" cy="527971"/>
-          </a:xfrm>
-          <a:prstGeom prst="rect">
-            <a:avLst/>
-          </a:prstGeom>
-        </p:spPr>
-      </p:pic>
-      <p:cxnSp>
-        <p:nvCxnSpPr>
-          <p:cNvPr id="10" name="Straight Connector 9">
-            <a:extLst>
-              <a:ext uri="{FF2B5EF4-FFF2-40B4-BE49-F238E27FC236}">
-                <a16:creationId xmlns:a16="http://schemas.microsoft.com/office/drawing/2014/main" id="{9A528859-2D2C-89A7-76BE-03844A3C1CC7}"/>
-              </a:ext>
-            </a:extLst>
-          </p:cNvPr>
-          <p:cNvCxnSpPr>
-            <a:cxnSpLocks/>
-          </p:cNvCxnSpPr>
-          <p:nvPr/>
-        </p:nvCxnSpPr>
-        <p:spPr>
-          <a:xfrm flipV="1">
-            <a:off x="599056" y="6544646"/>
-            <a:ext cx="11405231" cy="1"/>
-          </a:xfrm>
-          <a:prstGeom prst="line">
-            <a:avLst/>
-          </a:prstGeom>
-          <a:ln>
-            <a:solidFill>
-              <a:schemeClr val="bg2">
-                <a:lumMod val="75000"/>
-              </a:schemeClr>
-            </a:solidFill>
-          </a:ln>
-        </p:spPr>
-        <p:style>
-          <a:lnRef idx="1">
-            <a:schemeClr val="accent1"/>
-          </a:lnRef>
-          <a:fillRef idx="0">
-            <a:schemeClr val="accent1"/>
-          </a:fillRef>
-          <a:effectRef idx="0">
-            <a:schemeClr val="accent1"/>
-          </a:effectRef>
-          <a:fontRef idx="minor">
-            <a:schemeClr val="tx1"/>
-          </a:fontRef>
-        </p:style>
-      </p:cxnSp>
     </p:spTree>
     <p:extLst>
       <p:ext uri="{BB962C8B-B14F-4D97-AF65-F5344CB8AC3E}">
@@ -5858,140 +5419,6 @@
           </a:prstGeom>
         </p:spPr>
       </p:pic>
-      <p:sp>
-        <p:nvSpPr>
-          <p:cNvPr id="8" name="TextBox 7">
-            <a:extLst>
-              <a:ext uri="{FF2B5EF4-FFF2-40B4-BE49-F238E27FC236}">
-                <a16:creationId xmlns:a16="http://schemas.microsoft.com/office/drawing/2014/main" id="{85B5E777-012E-45E0-07D0-A2455417A81A}"/>
-              </a:ext>
-            </a:extLst>
-          </p:cNvPr>
-          <p:cNvSpPr txBox="1"/>
-          <p:nvPr/>
-        </p:nvSpPr>
-        <p:spPr>
-          <a:xfrm>
-            <a:off x="66907" y="6550223"/>
-            <a:ext cx="12059052" cy="276999"/>
-          </a:xfrm>
-          <a:prstGeom prst="rect">
-            <a:avLst/>
-          </a:prstGeom>
-          <a:noFill/>
-        </p:spPr>
-        <p:txBody>
-          <a:bodyPr wrap="square">
-            <a:spAutoFit/>
-          </a:bodyPr>
-          <a:lstStyle/>
-          <a:p>
-            <a:pPr algn="ctr"/>
-            <a:r>
-              <a:rPr lang="en-GB" sz="1200" dirty="0">
-                <a:solidFill>
-                  <a:schemeClr val="bg2">
-                    <a:lumMod val="75000"/>
-                  </a:schemeClr>
-                </a:solidFill>
-              </a:rPr>
-              <a:t>Machine Learning Methods for Biomedical Data (D012554)</a:t>
-            </a:r>
-            <a:r>
-              <a:rPr lang="nl-BE" sz="1200" dirty="0">
-                <a:solidFill>
-                  <a:schemeClr val="bg2">
-                    <a:lumMod val="75000"/>
-                  </a:schemeClr>
-                </a:solidFill>
-              </a:rPr>
-              <a:t> </a:t>
-            </a:r>
-            <a:endParaRPr lang="LID4096" sz="1200" dirty="0">
-              <a:solidFill>
-                <a:schemeClr val="bg2">
-                  <a:lumMod val="75000"/>
-                </a:schemeClr>
-              </a:solidFill>
-            </a:endParaRPr>
-          </a:p>
-        </p:txBody>
-      </p:sp>
-      <p:pic>
-        <p:nvPicPr>
-          <p:cNvPr id="9" name="Picture 8">
-            <a:extLst>
-              <a:ext uri="{FF2B5EF4-FFF2-40B4-BE49-F238E27FC236}">
-                <a16:creationId xmlns:a16="http://schemas.microsoft.com/office/drawing/2014/main" id="{00A45B74-2C86-209D-B4E2-22A86D1B6249}"/>
-              </a:ext>
-            </a:extLst>
-          </p:cNvPr>
-          <p:cNvPicPr>
-            <a:picLocks noChangeAspect="1"/>
-          </p:cNvPicPr>
-          <p:nvPr/>
-        </p:nvPicPr>
-        <p:blipFill>
-          <a:blip r:embed="rId4"/>
-          <a:stretch>
-            <a:fillRect/>
-          </a:stretch>
-        </p:blipFill>
-        <p:spPr>
-          <a:xfrm>
-            <a:off x="66041" y="6286237"/>
-            <a:ext cx="549743" cy="527971"/>
-          </a:xfrm>
-          <a:prstGeom prst="rect">
-            <a:avLst/>
-          </a:prstGeom>
-        </p:spPr>
-      </p:pic>
-      <p:cxnSp>
-        <p:nvCxnSpPr>
-          <p:cNvPr id="10" name="Straight Connector 9">
-            <a:extLst>
-              <a:ext uri="{FF2B5EF4-FFF2-40B4-BE49-F238E27FC236}">
-                <a16:creationId xmlns:a16="http://schemas.microsoft.com/office/drawing/2014/main" id="{3E0B5BEF-ABBD-739A-C4B9-E2AF4BC4A4B0}"/>
-              </a:ext>
-            </a:extLst>
-          </p:cNvPr>
-          <p:cNvCxnSpPr>
-            <a:cxnSpLocks/>
-          </p:cNvCxnSpPr>
-          <p:nvPr/>
-        </p:nvCxnSpPr>
-        <p:spPr>
-          <a:xfrm flipV="1">
-            <a:off x="599056" y="6544646"/>
-            <a:ext cx="11405231" cy="1"/>
-          </a:xfrm>
-          <a:prstGeom prst="line">
-            <a:avLst/>
-          </a:prstGeom>
-          <a:ln>
-            <a:solidFill>
-              <a:schemeClr val="bg2">
-                <a:lumMod val="75000"/>
-              </a:schemeClr>
-            </a:solidFill>
-          </a:ln>
-        </p:spPr>
-        <p:style>
-          <a:lnRef idx="1">
-            <a:schemeClr val="accent1"/>
-          </a:lnRef>
-          <a:fillRef idx="0">
-            <a:schemeClr val="accent1"/>
-          </a:fillRef>
-          <a:effectRef idx="0">
-            <a:schemeClr val="accent1"/>
-          </a:effectRef>
-          <a:fontRef idx="minor">
-            <a:schemeClr val="tx1"/>
-          </a:fontRef>
-        </p:style>
-      </p:cxnSp>
     </p:spTree>
     <p:extLst>
       <p:ext uri="{BB962C8B-B14F-4D97-AF65-F5344CB8AC3E}">
@@ -6322,140 +5749,6 @@
           </a:p>
         </p:txBody>
       </p:sp>
-      <p:sp>
-        <p:nvSpPr>
-          <p:cNvPr id="5" name="TextBox 4">
-            <a:extLst>
-              <a:ext uri="{FF2B5EF4-FFF2-40B4-BE49-F238E27FC236}">
-                <a16:creationId xmlns:a16="http://schemas.microsoft.com/office/drawing/2014/main" id="{8B76884D-378A-9402-5A7C-AE9714764383}"/>
-              </a:ext>
-            </a:extLst>
-          </p:cNvPr>
-          <p:cNvSpPr txBox="1"/>
-          <p:nvPr/>
-        </p:nvSpPr>
-        <p:spPr>
-          <a:xfrm>
-            <a:off x="66907" y="6550223"/>
-            <a:ext cx="12059052" cy="276999"/>
-          </a:xfrm>
-          <a:prstGeom prst="rect">
-            <a:avLst/>
-          </a:prstGeom>
-          <a:noFill/>
-        </p:spPr>
-        <p:txBody>
-          <a:bodyPr wrap="square">
-            <a:spAutoFit/>
-          </a:bodyPr>
-          <a:lstStyle/>
-          <a:p>
-            <a:pPr algn="ctr"/>
-            <a:r>
-              <a:rPr lang="en-GB" sz="1200" dirty="0">
-                <a:solidFill>
-                  <a:schemeClr val="bg2">
-                    <a:lumMod val="75000"/>
-                  </a:schemeClr>
-                </a:solidFill>
-              </a:rPr>
-              <a:t>Machine Learning Methods for Biomedical Data (D012554)</a:t>
-            </a:r>
-            <a:r>
-              <a:rPr lang="nl-BE" sz="1200" dirty="0">
-                <a:solidFill>
-                  <a:schemeClr val="bg2">
-                    <a:lumMod val="75000"/>
-                  </a:schemeClr>
-                </a:solidFill>
-              </a:rPr>
-              <a:t> </a:t>
-            </a:r>
-            <a:endParaRPr lang="LID4096" sz="1200" dirty="0">
-              <a:solidFill>
-                <a:schemeClr val="bg2">
-                  <a:lumMod val="75000"/>
-                </a:schemeClr>
-              </a:solidFill>
-            </a:endParaRPr>
-          </a:p>
-        </p:txBody>
-      </p:sp>
-      <p:pic>
-        <p:nvPicPr>
-          <p:cNvPr id="7" name="Picture 6">
-            <a:extLst>
-              <a:ext uri="{FF2B5EF4-FFF2-40B4-BE49-F238E27FC236}">
-                <a16:creationId xmlns:a16="http://schemas.microsoft.com/office/drawing/2014/main" id="{20A0D588-C2C3-D42C-E61F-E267CA0268D2}"/>
-              </a:ext>
-            </a:extLst>
-          </p:cNvPr>
-          <p:cNvPicPr>
-            <a:picLocks noChangeAspect="1"/>
-          </p:cNvPicPr>
-          <p:nvPr/>
-        </p:nvPicPr>
-        <p:blipFill>
-          <a:blip r:embed="rId4"/>
-          <a:stretch>
-            <a:fillRect/>
-          </a:stretch>
-        </p:blipFill>
-        <p:spPr>
-          <a:xfrm>
-            <a:off x="66041" y="6286237"/>
-            <a:ext cx="549743" cy="527971"/>
-          </a:xfrm>
-          <a:prstGeom prst="rect">
-            <a:avLst/>
-          </a:prstGeom>
-        </p:spPr>
-      </p:pic>
-      <p:cxnSp>
-        <p:nvCxnSpPr>
-          <p:cNvPr id="13" name="Straight Connector 12">
-            <a:extLst>
-              <a:ext uri="{FF2B5EF4-FFF2-40B4-BE49-F238E27FC236}">
-                <a16:creationId xmlns:a16="http://schemas.microsoft.com/office/drawing/2014/main" id="{653B8F5E-EAD4-5E27-4226-121FC3F87154}"/>
-              </a:ext>
-            </a:extLst>
-          </p:cNvPr>
-          <p:cNvCxnSpPr>
-            <a:cxnSpLocks/>
-          </p:cNvCxnSpPr>
-          <p:nvPr/>
-        </p:nvCxnSpPr>
-        <p:spPr>
-          <a:xfrm flipV="1">
-            <a:off x="599056" y="6544646"/>
-            <a:ext cx="11405231" cy="1"/>
-          </a:xfrm>
-          <a:prstGeom prst="line">
-            <a:avLst/>
-          </a:prstGeom>
-          <a:ln>
-            <a:solidFill>
-              <a:schemeClr val="bg2">
-                <a:lumMod val="75000"/>
-              </a:schemeClr>
-            </a:solidFill>
-          </a:ln>
-        </p:spPr>
-        <p:style>
-          <a:lnRef idx="1">
-            <a:schemeClr val="accent1"/>
-          </a:lnRef>
-          <a:fillRef idx="0">
-            <a:schemeClr val="accent1"/>
-          </a:fillRef>
-          <a:effectRef idx="0">
-            <a:schemeClr val="accent1"/>
-          </a:effectRef>
-          <a:fontRef idx="minor">
-            <a:schemeClr val="tx1"/>
-          </a:fontRef>
-        </p:style>
-      </p:cxnSp>
     </p:spTree>
     <p:extLst>
       <p:ext uri="{BB962C8B-B14F-4D97-AF65-F5344CB8AC3E}">
